--- a/metodologiasAgeis/Dia 01 - Introdução/ContratodeAula.pptx
+++ b/metodologiasAgeis/Dia 01 - Introdução/ContratodeAula.pptx
@@ -71,7 +71,7 @@
         <p:txBody>
           <a:bodyPr/>
           <a:p>
-            <a:fld id="{49BAF507-A4D6-4DC6-95FA-1623927DC263}" type="slidenum">
+            <a:fld id="{5EF86010-0200-41E8-9628-CBC8CA6F5631}" type="slidenum">
               <a:t>&lt;#&gt;</a:t>
             </a:fld>
           </a:p>
@@ -259,7 +259,7 @@
         <p:txBody>
           <a:bodyPr/>
           <a:p>
-            <a:fld id="{1B376D1B-DF2B-451D-82CF-04D96F8816D8}" type="slidenum">
+            <a:fld id="{B1FF7927-B2A4-4F0E-9C9F-B27893B4AAAE}" type="slidenum">
               <a:t>&lt;#&gt;</a:t>
             </a:fld>
           </a:p>
@@ -515,7 +515,7 @@
         <p:txBody>
           <a:bodyPr/>
           <a:p>
-            <a:fld id="{42302913-4C15-479F-9517-33A9058F2212}" type="slidenum">
+            <a:fld id="{A74B4DDD-11F5-4F29-901B-CA936D31E259}" type="slidenum">
               <a:t>&lt;#&gt;</a:t>
             </a:fld>
           </a:p>
@@ -839,7 +839,7 @@
         <p:txBody>
           <a:bodyPr/>
           <a:p>
-            <a:fld id="{35EFF302-CE67-4A8A-B0CA-A54D9FCC5315}" type="slidenum">
+            <a:fld id="{CE13ADE6-6CF4-484A-A945-AD7DC9AE122B}" type="slidenum">
               <a:t>&lt;#&gt;</a:t>
             </a:fld>
           </a:p>
@@ -1900,7 +1900,7 @@
         <p:txBody>
           <a:bodyPr/>
           <a:p>
-            <a:fld id="{082AA98C-9DC9-406B-97B4-A6C9E277A719}" type="slidenum">
+            <a:fld id="{6FC62B64-32A3-488C-AE2A-87ACB861F954}" type="slidenum">
               <a:t>&lt;#&gt;</a:t>
             </a:fld>
           </a:p>
@@ -3166,7 +3166,7 @@
         <p:txBody>
           <a:bodyPr/>
           <a:p>
-            <a:fld id="{F30A394B-D9F7-40DD-9C68-1825BC5226C7}" type="slidenum">
+            <a:fld id="{984987BB-6121-4153-B4EC-A8E17B8C76DC}" type="slidenum">
               <a:t>&lt;#&gt;</a:t>
             </a:fld>
           </a:p>
@@ -3354,7 +3354,7 @@
         <p:txBody>
           <a:bodyPr/>
           <a:p>
-            <a:fld id="{7D8CEC78-F305-42D9-A4F5-76DA41B8E0AB}" type="slidenum">
+            <a:fld id="{AE57A71C-61FF-43E0-9E26-C9236438333F}" type="slidenum">
               <a:t>&lt;#&gt;</a:t>
             </a:fld>
           </a:p>
@@ -3474,7 +3474,7 @@
         <p:txBody>
           <a:bodyPr/>
           <a:p>
-            <a:fld id="{75E23F03-1C40-4478-946A-20808E454074}" type="slidenum">
+            <a:fld id="{43630072-D436-4321-9077-062450681E6F}" type="slidenum">
               <a:t>&lt;#&gt;</a:t>
             </a:fld>
           </a:p>
@@ -3594,7 +3594,7 @@
         <p:txBody>
           <a:bodyPr/>
           <a:p>
-            <a:fld id="{D6B091E6-323B-4C68-9188-47F40C0FD7B3}" type="slidenum">
+            <a:fld id="{6902D493-411D-4F8E-87AF-14BD73B3F66F}" type="slidenum">
               <a:t>&lt;#&gt;</a:t>
             </a:fld>
           </a:p>
@@ -3816,7 +3816,7 @@
         <p:txBody>
           <a:bodyPr/>
           <a:p>
-            <a:fld id="{60FE80C5-AAA9-4718-9066-D4302D8F3523}" type="slidenum">
+            <a:fld id="{423A8C5A-06AD-4596-BD83-A759A3EEA4ED}" type="slidenum">
               <a:t>&lt;#&gt;</a:t>
             </a:fld>
           </a:p>
@@ -4038,7 +4038,7 @@
         <p:txBody>
           <a:bodyPr/>
           <a:p>
-            <a:fld id="{4988500B-2A15-471D-AA5C-EC6E2D5A43BA}" type="slidenum">
+            <a:fld id="{8A7A95B8-6D2A-4B49-BA35-5D21F22E0527}" type="slidenum">
               <a:t>&lt;#&gt;</a:t>
             </a:fld>
           </a:p>
@@ -4260,7 +4260,7 @@
         <p:txBody>
           <a:bodyPr/>
           <a:p>
-            <a:fld id="{6178B267-2674-4A92-995D-B3D436224ED2}" type="slidenum">
+            <a:fld id="{61874B44-FD41-470E-A40E-2833D5A64F55}" type="slidenum">
               <a:t>&lt;#&gt;</a:t>
             </a:fld>
           </a:p>
@@ -4329,7 +4329,7 @@
         <p:spPr>
           <a:xfrm>
             <a:off x="0" y="-3600"/>
-            <a:ext cx="12215160" cy="6843960"/>
+            <a:ext cx="12214800" cy="6843600"/>
           </a:xfrm>
           <a:prstGeom prst="rect">
             <a:avLst/>
@@ -4351,8 +4351,8 @@
         </p:nvSpPr>
         <p:spPr>
           <a:xfrm>
-            <a:off x="838080" y="365040"/>
-            <a:ext cx="10514880" cy="1324800"/>
+            <a:off x="609480" y="273600"/>
+            <a:ext cx="10972080" cy="1144440"/>
           </a:xfrm>
           <a:prstGeom prst="rect">
             <a:avLst/>
@@ -4386,13 +4386,196 @@
             <a:spLocks noGrp="1"/>
           </p:cNvSpPr>
           <p:nvPr>
+            <p:ph type="body"/>
+          </p:nvPr>
+        </p:nvSpPr>
+        <p:spPr>
+          <a:xfrm>
+            <a:off x="609480" y="1604520"/>
+            <a:ext cx="10972080" cy="3976920"/>
+          </a:xfrm>
+          <a:prstGeom prst="rect">
+            <a:avLst/>
+          </a:prstGeom>
+          <a:noFill/>
+          <a:ln w="0">
+            <a:noFill/>
+          </a:ln>
+        </p:spPr>
+        <p:txBody>
+          <a:bodyPr lIns="0" rIns="0" tIns="0" bIns="0" anchor="t">
+            <a:normAutofit/>
+          </a:bodyPr>
+          <a:p>
+            <a:pPr marL="432000" indent="-324000">
+              <a:spcBef>
+                <a:spcPts val="1417"/>
+              </a:spcBef>
+              <a:buClr>
+                <a:srgbClr val="000000"/>
+              </a:buClr>
+              <a:buSzPct val="45000"/>
+              <a:buFont typeface="Wingdings" charset="2"/>
+              <a:buChar char=""/>
+            </a:pPr>
+            <a:r>
+              <a:rPr b="0" lang="pt-BR" sz="1800" spc="-1" strike="noStrike">
+                <a:latin typeface="Arial"/>
+              </a:rPr>
+              <a:t>Clique para editar o formato do texto da estrutura de tópicos</a:t>
+            </a:r>
+            <a:endParaRPr b="0" lang="pt-BR" sz="1800" spc="-1" strike="noStrike">
+              <a:latin typeface="Arial"/>
+            </a:endParaRPr>
+          </a:p>
+          <a:p>
+            <a:pPr lvl="1" marL="864000" indent="-324000">
+              <a:spcBef>
+                <a:spcPts val="1134"/>
+              </a:spcBef>
+              <a:buClr>
+                <a:srgbClr val="000000"/>
+              </a:buClr>
+              <a:buSzPct val="75000"/>
+              <a:buFont typeface="Symbol" charset="2"/>
+              <a:buChar char=""/>
+            </a:pPr>
+            <a:r>
+              <a:rPr b="0" lang="pt-BR" sz="1800" spc="-1" strike="noStrike">
+                <a:latin typeface="Arial"/>
+              </a:rPr>
+              <a:t>2.º nível da estrutura de tópicos</a:t>
+            </a:r>
+            <a:endParaRPr b="0" lang="pt-BR" sz="1800" spc="-1" strike="noStrike">
+              <a:latin typeface="Arial"/>
+            </a:endParaRPr>
+          </a:p>
+          <a:p>
+            <a:pPr lvl="2" marL="1296000" indent="-288000">
+              <a:spcBef>
+                <a:spcPts val="850"/>
+              </a:spcBef>
+              <a:buClr>
+                <a:srgbClr val="000000"/>
+              </a:buClr>
+              <a:buSzPct val="45000"/>
+              <a:buFont typeface="Wingdings" charset="2"/>
+              <a:buChar char=""/>
+            </a:pPr>
+            <a:r>
+              <a:rPr b="0" lang="pt-BR" sz="1800" spc="-1" strike="noStrike">
+                <a:latin typeface="Arial"/>
+              </a:rPr>
+              <a:t>3.º nível da estrutura de tópicos</a:t>
+            </a:r>
+            <a:endParaRPr b="0" lang="pt-BR" sz="1800" spc="-1" strike="noStrike">
+              <a:latin typeface="Arial"/>
+            </a:endParaRPr>
+          </a:p>
+          <a:p>
+            <a:pPr lvl="3" marL="1728000" indent="-216000">
+              <a:spcBef>
+                <a:spcPts val="567"/>
+              </a:spcBef>
+              <a:buClr>
+                <a:srgbClr val="000000"/>
+              </a:buClr>
+              <a:buSzPct val="75000"/>
+              <a:buFont typeface="Symbol" charset="2"/>
+              <a:buChar char=""/>
+            </a:pPr>
+            <a:r>
+              <a:rPr b="0" lang="pt-BR" sz="1800" spc="-1" strike="noStrike">
+                <a:latin typeface="Arial"/>
+              </a:rPr>
+              <a:t>4.º nível da estrutura de tópicos</a:t>
+            </a:r>
+            <a:endParaRPr b="0" lang="pt-BR" sz="1800" spc="-1" strike="noStrike">
+              <a:latin typeface="Arial"/>
+            </a:endParaRPr>
+          </a:p>
+          <a:p>
+            <a:pPr lvl="4" marL="2160000" indent="-216000">
+              <a:spcBef>
+                <a:spcPts val="283"/>
+              </a:spcBef>
+              <a:buClr>
+                <a:srgbClr val="000000"/>
+              </a:buClr>
+              <a:buSzPct val="45000"/>
+              <a:buFont typeface="Wingdings" charset="2"/>
+              <a:buChar char=""/>
+            </a:pPr>
+            <a:r>
+              <a:rPr b="0" lang="pt-BR" sz="1800" spc="-1" strike="noStrike">
+                <a:latin typeface="Arial"/>
+              </a:rPr>
+              <a:t>5.º nível da estrutura de tópicos</a:t>
+            </a:r>
+            <a:endParaRPr b="0" lang="pt-BR" sz="1800" spc="-1" strike="noStrike">
+              <a:latin typeface="Arial"/>
+            </a:endParaRPr>
+          </a:p>
+          <a:p>
+            <a:pPr lvl="5" marL="2592000" indent="-216000">
+              <a:spcBef>
+                <a:spcPts val="283"/>
+              </a:spcBef>
+              <a:buClr>
+                <a:srgbClr val="000000"/>
+              </a:buClr>
+              <a:buSzPct val="45000"/>
+              <a:buFont typeface="Wingdings" charset="2"/>
+              <a:buChar char=""/>
+            </a:pPr>
+            <a:r>
+              <a:rPr b="0" lang="pt-BR" sz="1800" spc="-1" strike="noStrike">
+                <a:latin typeface="Arial"/>
+              </a:rPr>
+              <a:t>6.º nível da estrutura de tópicos</a:t>
+            </a:r>
+            <a:endParaRPr b="0" lang="pt-BR" sz="1800" spc="-1" strike="noStrike">
+              <a:latin typeface="Arial"/>
+            </a:endParaRPr>
+          </a:p>
+          <a:p>
+            <a:pPr lvl="6" marL="3024000" indent="-216000">
+              <a:spcBef>
+                <a:spcPts val="283"/>
+              </a:spcBef>
+              <a:buClr>
+                <a:srgbClr val="000000"/>
+              </a:buClr>
+              <a:buSzPct val="45000"/>
+              <a:buFont typeface="Wingdings" charset="2"/>
+              <a:buChar char=""/>
+            </a:pPr>
+            <a:r>
+              <a:rPr b="0" lang="pt-BR" sz="1800" spc="-1" strike="noStrike">
+                <a:latin typeface="Arial"/>
+              </a:rPr>
+              <a:t>7.º nível da estrutura de tópicos</a:t>
+            </a:r>
+            <a:endParaRPr b="0" lang="pt-BR" sz="1800" spc="-1" strike="noStrike">
+              <a:latin typeface="Arial"/>
+            </a:endParaRPr>
+          </a:p>
+        </p:txBody>
+      </p:sp>
+      <p:sp>
+        <p:nvSpPr>
+          <p:cNvPr id="3" name="PlaceHolder 3"/>
+          <p:cNvSpPr>
+            <a:spLocks noGrp="1"/>
+          </p:cNvSpPr>
+          <p:nvPr>
             <p:ph type="ftr" idx="1"/>
           </p:nvPr>
         </p:nvSpPr>
         <p:spPr>
           <a:xfrm>
             <a:off x="4038480" y="6356520"/>
-            <a:ext cx="4114080" cy="364320"/>
+            <a:ext cx="4113720" cy="363960"/>
           </a:xfrm>
           <a:prstGeom prst="rect">
             <a:avLst/>
@@ -4428,7 +4611,7 @@
               <a:rPr b="0" lang="pt-BR" sz="1400" spc="-1" strike="noStrike">
                 <a:latin typeface="Times New Roman"/>
               </a:rPr>
-              <a:t> </a:t>
+              <a:t>&lt;rodapé&gt;</a:t>
             </a:r>
             <a:endParaRPr b="0" lang="pt-BR" sz="1400" spc="-1" strike="noStrike">
               <a:latin typeface="Times New Roman"/>
@@ -4438,7 +4621,7 @@
       </p:sp>
       <p:sp>
         <p:nvSpPr>
-          <p:cNvPr id="3" name="PlaceHolder 3"/>
+          <p:cNvPr id="4" name="PlaceHolder 4"/>
           <p:cNvSpPr>
             <a:spLocks noGrp="1"/>
           </p:cNvSpPr>
@@ -4449,7 +4632,7 @@
         <p:spPr>
           <a:xfrm>
             <a:off x="8610480" y="6356520"/>
-            <a:ext cx="2742480" cy="364320"/>
+            <a:ext cx="2742120" cy="363960"/>
           </a:xfrm>
           <a:prstGeom prst="rect">
             <a:avLst/>
@@ -4484,14 +4667,14 @@
               </a:lnSpc>
               <a:buNone/>
             </a:pPr>
-            <a:fld id="{E9068015-7E71-418E-B193-EF6F73E09261}" type="slidenum">
+            <a:fld id="{22FC6FFC-5194-4AD9-98D8-2C24557C59BB}" type="slidenum">
               <a:rPr b="0" lang="pt-BR" sz="1200" spc="-1" strike="noStrike">
                 <a:solidFill>
                   <a:srgbClr val="8b8b8b"/>
                 </a:solidFill>
                 <a:latin typeface="Calibri"/>
               </a:rPr>
-              <a:t>6</a:t>
+              <a:t>&lt;número&gt;</a:t>
             </a:fld>
             <a:endParaRPr b="0" lang="pt-BR" sz="1200" spc="-1" strike="noStrike">
               <a:latin typeface="Times New Roman"/>
@@ -4501,7 +4684,7 @@
       </p:sp>
       <p:sp>
         <p:nvSpPr>
-          <p:cNvPr id="4" name="PlaceHolder 4"/>
+          <p:cNvPr id="5" name="PlaceHolder 5"/>
           <p:cNvSpPr>
             <a:spLocks noGrp="1"/>
           </p:cNvSpPr>
@@ -4512,7 +4695,7 @@
         <p:spPr>
           <a:xfrm>
             <a:off x="838080" y="6356520"/>
-            <a:ext cx="2742480" cy="364320"/>
+            <a:ext cx="2742120" cy="363960"/>
           </a:xfrm>
           <a:prstGeom prst="rect">
             <a:avLst/>
@@ -4538,193 +4721,10 @@
               <a:rPr b="0" lang="pt-BR" sz="1400" spc="-1" strike="noStrike">
                 <a:latin typeface="Times New Roman"/>
               </a:rPr>
-              <a:t> </a:t>
+              <a:t>&lt;data/hora&gt;</a:t>
             </a:r>
             <a:endParaRPr b="0" lang="pt-BR" sz="1400" spc="-1" strike="noStrike">
               <a:latin typeface="Times New Roman"/>
-            </a:endParaRPr>
-          </a:p>
-        </p:txBody>
-      </p:sp>
-      <p:sp>
-        <p:nvSpPr>
-          <p:cNvPr id="5" name="PlaceHolder 5"/>
-          <p:cNvSpPr>
-            <a:spLocks noGrp="1"/>
-          </p:cNvSpPr>
-          <p:nvPr>
-            <p:ph type="body"/>
-          </p:nvPr>
-        </p:nvSpPr>
-        <p:spPr>
-          <a:xfrm>
-            <a:off x="609480" y="1604520"/>
-            <a:ext cx="10972440" cy="3977280"/>
-          </a:xfrm>
-          <a:prstGeom prst="rect">
-            <a:avLst/>
-          </a:prstGeom>
-          <a:noFill/>
-          <a:ln w="0">
-            <a:noFill/>
-          </a:ln>
-        </p:spPr>
-        <p:txBody>
-          <a:bodyPr lIns="0" rIns="0" tIns="0" bIns="0" anchor="t">
-            <a:normAutofit/>
-          </a:bodyPr>
-          <a:p>
-            <a:pPr marL="432000" indent="-324000">
-              <a:spcBef>
-                <a:spcPts val="1417"/>
-              </a:spcBef>
-              <a:buClr>
-                <a:srgbClr val="000000"/>
-              </a:buClr>
-              <a:buSzPct val="45000"/>
-              <a:buFont typeface="Wingdings" charset="2"/>
-              <a:buChar char=""/>
-            </a:pPr>
-            <a:r>
-              <a:rPr b="0" lang="pt-BR" sz="3200" spc="-1" strike="noStrike">
-                <a:latin typeface="Arial"/>
-              </a:rPr>
-              <a:t>Clique para editar o formato do texto da estrutura de tópicos</a:t>
-            </a:r>
-            <a:endParaRPr b="0" lang="pt-BR" sz="3200" spc="-1" strike="noStrike">
-              <a:latin typeface="Arial"/>
-            </a:endParaRPr>
-          </a:p>
-          <a:p>
-            <a:pPr lvl="1" marL="864000" indent="-324000">
-              <a:spcBef>
-                <a:spcPts val="1134"/>
-              </a:spcBef>
-              <a:buClr>
-                <a:srgbClr val="000000"/>
-              </a:buClr>
-              <a:buSzPct val="75000"/>
-              <a:buFont typeface="Symbol" charset="2"/>
-              <a:buChar char=""/>
-            </a:pPr>
-            <a:r>
-              <a:rPr b="0" lang="pt-BR" sz="2800" spc="-1" strike="noStrike">
-                <a:latin typeface="Arial"/>
-              </a:rPr>
-              <a:t>2.º nível da estrutura de tópicos</a:t>
-            </a:r>
-            <a:endParaRPr b="0" lang="pt-BR" sz="2800" spc="-1" strike="noStrike">
-              <a:latin typeface="Arial"/>
-            </a:endParaRPr>
-          </a:p>
-          <a:p>
-            <a:pPr lvl="2" marL="1296000" indent="-288000">
-              <a:spcBef>
-                <a:spcPts val="850"/>
-              </a:spcBef>
-              <a:buClr>
-                <a:srgbClr val="000000"/>
-              </a:buClr>
-              <a:buSzPct val="45000"/>
-              <a:buFont typeface="Wingdings" charset="2"/>
-              <a:buChar char=""/>
-            </a:pPr>
-            <a:r>
-              <a:rPr b="0" lang="pt-BR" sz="2400" spc="-1" strike="noStrike">
-                <a:latin typeface="Arial"/>
-              </a:rPr>
-              <a:t>3.º nível da estrutura de tópicos</a:t>
-            </a:r>
-            <a:endParaRPr b="0" lang="pt-BR" sz="2400" spc="-1" strike="noStrike">
-              <a:latin typeface="Arial"/>
-            </a:endParaRPr>
-          </a:p>
-          <a:p>
-            <a:pPr lvl="3" marL="1728000" indent="-216000">
-              <a:spcBef>
-                <a:spcPts val="567"/>
-              </a:spcBef>
-              <a:buClr>
-                <a:srgbClr val="000000"/>
-              </a:buClr>
-              <a:buSzPct val="75000"/>
-              <a:buFont typeface="Symbol" charset="2"/>
-              <a:buChar char=""/>
-            </a:pPr>
-            <a:r>
-              <a:rPr b="0" lang="pt-BR" sz="2000" spc="-1" strike="noStrike">
-                <a:latin typeface="Arial"/>
-              </a:rPr>
-              <a:t>4.º nível da estrutura de tópicos</a:t>
-            </a:r>
-            <a:endParaRPr b="0" lang="pt-BR" sz="2000" spc="-1" strike="noStrike">
-              <a:latin typeface="Arial"/>
-            </a:endParaRPr>
-          </a:p>
-          <a:p>
-            <a:pPr lvl="4" marL="2160000" indent="-216000">
-              <a:spcBef>
-                <a:spcPts val="283"/>
-              </a:spcBef>
-              <a:buClr>
-                <a:srgbClr val="000000"/>
-              </a:buClr>
-              <a:buSzPct val="45000"/>
-              <a:buFont typeface="Wingdings" charset="2"/>
-              <a:buChar char=""/>
-            </a:pPr>
-            <a:r>
-              <a:rPr b="0" lang="pt-BR" sz="2000" spc="-1" strike="noStrike">
-                <a:latin typeface="Arial"/>
-              </a:rPr>
-              <a:t>5.º nível da estrutura de tópicos</a:t>
-            </a:r>
-            <a:endParaRPr b="0" lang="pt-BR" sz="2000" spc="-1" strike="noStrike">
-              <a:latin typeface="Arial"/>
-            </a:endParaRPr>
-          </a:p>
-          <a:p>
-            <a:pPr lvl="5" marL="2592000" indent="-216000">
-              <a:spcBef>
-                <a:spcPts val="283"/>
-              </a:spcBef>
-              <a:buClr>
-                <a:srgbClr val="000000"/>
-              </a:buClr>
-              <a:buSzPct val="45000"/>
-              <a:buFont typeface="Wingdings" charset="2"/>
-              <a:buChar char=""/>
-            </a:pPr>
-            <a:r>
-              <a:rPr b="0" lang="pt-BR" sz="2000" spc="-1" strike="noStrike">
-                <a:latin typeface="Arial"/>
-              </a:rPr>
-              <a:t>6.º nível da estrutura de tópicos</a:t>
-            </a:r>
-            <a:endParaRPr b="0" lang="pt-BR" sz="2000" spc="-1" strike="noStrike">
-              <a:latin typeface="Arial"/>
-            </a:endParaRPr>
-          </a:p>
-          <a:p>
-            <a:pPr lvl="6" marL="3024000" indent="-216000">
-              <a:spcBef>
-                <a:spcPts val="283"/>
-              </a:spcBef>
-              <a:buClr>
-                <a:srgbClr val="000000"/>
-              </a:buClr>
-              <a:buSzPct val="45000"/>
-              <a:buFont typeface="Wingdings" charset="2"/>
-              <a:buChar char=""/>
-            </a:pPr>
-            <a:r>
-              <a:rPr b="0" lang="pt-BR" sz="2000" spc="-1" strike="noStrike">
-                <a:latin typeface="Arial"/>
-              </a:rPr>
-              <a:t>7.º nível da estrutura de tópicos</a:t>
-            </a:r>
-            <a:endParaRPr b="0" lang="pt-BR" sz="2000" spc="-1" strike="noStrike">
-              <a:latin typeface="Arial"/>
             </a:endParaRPr>
           </a:p>
         </p:txBody>
@@ -4786,7 +4786,7 @@
         <p:spPr>
           <a:xfrm>
             <a:off x="0" y="-3600"/>
-            <a:ext cx="12215160" cy="6843960"/>
+            <a:ext cx="12214800" cy="6843600"/>
           </a:xfrm>
           <a:prstGeom prst="rect">
             <a:avLst/>
@@ -4809,7 +4809,7 @@
         <p:spPr>
           <a:xfrm>
             <a:off x="0" y="4680"/>
-            <a:ext cx="12215160" cy="6843960"/>
+            <a:ext cx="12214800" cy="6843600"/>
           </a:xfrm>
           <a:prstGeom prst="rect">
             <a:avLst/>
@@ -4832,7 +4832,7 @@
         <p:spPr>
           <a:xfrm>
             <a:off x="4038480" y="6356520"/>
-            <a:ext cx="4114080" cy="364320"/>
+            <a:ext cx="4113720" cy="363960"/>
           </a:xfrm>
           <a:prstGeom prst="rect">
             <a:avLst/>
@@ -4889,7 +4889,7 @@
         <p:spPr>
           <a:xfrm>
             <a:off x="838080" y="6356520"/>
-            <a:ext cx="2742480" cy="364320"/>
+            <a:ext cx="2742120" cy="363960"/>
           </a:xfrm>
           <a:prstGeom prst="rect">
             <a:avLst/>
@@ -5199,7 +5199,7 @@
         <p:spPr>
           <a:xfrm>
             <a:off x="3418920" y="3565440"/>
-            <a:ext cx="8772120" cy="961920"/>
+            <a:ext cx="8771760" cy="961560"/>
           </a:xfrm>
           <a:prstGeom prst="rect">
             <a:avLst/>
@@ -5248,7 +5248,7 @@
         <p:spPr>
           <a:xfrm>
             <a:off x="0" y="6494400"/>
-            <a:ext cx="8242200" cy="362880"/>
+            <a:ext cx="8241840" cy="362520"/>
           </a:xfrm>
           <a:prstGeom prst="rect">
             <a:avLst/>
@@ -5329,9 +5329,9 @@
         <p:grpSpPr>
           <a:xfrm>
             <a:off x="351720" y="495000"/>
-            <a:ext cx="251280" cy="855000"/>
+            <a:ext cx="250920" cy="854640"/>
             <a:chOff x="351720" y="495000"/>
-            <a:chExt cx="251280" cy="855000"/>
+            <a:chExt cx="250920" cy="854640"/>
           </a:xfrm>
         </p:grpSpPr>
         <p:sp>
@@ -5343,7 +5343,7 @@
           <p:spPr>
             <a:xfrm>
               <a:off x="351720" y="647280"/>
-              <a:ext cx="174960" cy="702720"/>
+              <a:ext cx="174600" cy="702360"/>
             </a:xfrm>
             <a:prstGeom prst="rect">
               <a:avLst/>
@@ -5371,7 +5371,7 @@
           <p:spPr>
             <a:xfrm>
               <a:off x="428040" y="495000"/>
-              <a:ext cx="174960" cy="702720"/>
+              <a:ext cx="174600" cy="702360"/>
             </a:xfrm>
             <a:prstGeom prst="rect">
               <a:avLst/>
@@ -5400,7 +5400,7 @@
         <p:spPr>
           <a:xfrm>
             <a:off x="643320" y="556200"/>
-            <a:ext cx="11428560" cy="699480"/>
+            <a:ext cx="11428200" cy="699120"/>
           </a:xfrm>
           <a:prstGeom prst="rect">
             <a:avLst/>
@@ -5452,7 +5452,7 @@
         <p:spPr>
           <a:xfrm>
             <a:off x="0" y="1761840"/>
-            <a:ext cx="12191400" cy="4662720"/>
+            <a:ext cx="12191040" cy="4662720"/>
           </a:xfrm>
           <a:prstGeom prst="rect">
             <a:avLst/>
@@ -5592,7 +5592,7 @@
         <p:spPr>
           <a:xfrm>
             <a:off x="9900000" y="32400"/>
-            <a:ext cx="2223360" cy="2966400"/>
+            <a:ext cx="2223000" cy="2966040"/>
           </a:xfrm>
           <a:prstGeom prst="rect">
             <a:avLst/>
@@ -5641,9 +5641,9 @@
         <p:grpSpPr>
           <a:xfrm>
             <a:off x="351720" y="495000"/>
-            <a:ext cx="251280" cy="855000"/>
+            <a:ext cx="250920" cy="854640"/>
             <a:chOff x="351720" y="495000"/>
-            <a:chExt cx="251280" cy="855000"/>
+            <a:chExt cx="250920" cy="854640"/>
           </a:xfrm>
         </p:grpSpPr>
         <p:sp>
@@ -5655,7 +5655,7 @@
           <p:spPr>
             <a:xfrm>
               <a:off x="351720" y="647280"/>
-              <a:ext cx="174960" cy="702720"/>
+              <a:ext cx="174600" cy="702360"/>
             </a:xfrm>
             <a:prstGeom prst="rect">
               <a:avLst/>
@@ -5683,7 +5683,7 @@
           <p:spPr>
             <a:xfrm>
               <a:off x="428040" y="495000"/>
-              <a:ext cx="174960" cy="702720"/>
+              <a:ext cx="174600" cy="702360"/>
             </a:xfrm>
             <a:prstGeom prst="rect">
               <a:avLst/>
@@ -5712,7 +5712,7 @@
         <p:spPr>
           <a:xfrm>
             <a:off x="643320" y="556200"/>
-            <a:ext cx="11428560" cy="699480"/>
+            <a:ext cx="11428200" cy="699120"/>
           </a:xfrm>
           <a:prstGeom prst="rect">
             <a:avLst/>
@@ -5764,7 +5764,7 @@
         <p:spPr>
           <a:xfrm>
             <a:off x="71280" y="2108880"/>
-            <a:ext cx="12191400" cy="455760"/>
+            <a:ext cx="12191040" cy="455400"/>
           </a:xfrm>
           <a:prstGeom prst="rect">
             <a:avLst/>
@@ -5824,7 +5824,7 @@
         <p:spPr>
           <a:xfrm>
             <a:off x="2880000" y="2586960"/>
-            <a:ext cx="5579640" cy="3712680"/>
+            <a:ext cx="5579280" cy="3712320"/>
           </a:xfrm>
           <a:prstGeom prst="rect">
             <a:avLst/>
@@ -5873,9 +5873,9 @@
         <p:grpSpPr>
           <a:xfrm>
             <a:off x="351720" y="495000"/>
-            <a:ext cx="251280" cy="855000"/>
+            <a:ext cx="250920" cy="854640"/>
             <a:chOff x="351720" y="495000"/>
-            <a:chExt cx="251280" cy="855000"/>
+            <a:chExt cx="250920" cy="854640"/>
           </a:xfrm>
         </p:grpSpPr>
         <p:sp>
@@ -5887,7 +5887,7 @@
           <p:spPr>
             <a:xfrm>
               <a:off x="351720" y="647280"/>
-              <a:ext cx="174960" cy="702720"/>
+              <a:ext cx="174600" cy="702360"/>
             </a:xfrm>
             <a:prstGeom prst="rect">
               <a:avLst/>
@@ -5915,7 +5915,7 @@
           <p:spPr>
             <a:xfrm>
               <a:off x="428040" y="495000"/>
-              <a:ext cx="174960" cy="702720"/>
+              <a:ext cx="174600" cy="702360"/>
             </a:xfrm>
             <a:prstGeom prst="rect">
               <a:avLst/>
@@ -5944,7 +5944,7 @@
         <p:spPr>
           <a:xfrm>
             <a:off x="643320" y="556200"/>
-            <a:ext cx="11428560" cy="699480"/>
+            <a:ext cx="11428200" cy="699120"/>
           </a:xfrm>
           <a:prstGeom prst="rect">
             <a:avLst/>
@@ -5996,7 +5996,7 @@
         <p:spPr>
           <a:xfrm>
             <a:off x="0" y="1761840"/>
-            <a:ext cx="12191400" cy="3747240"/>
+            <a:ext cx="12191040" cy="3747240"/>
           </a:xfrm>
           <a:prstGeom prst="rect">
             <a:avLst/>
@@ -6215,9 +6215,9 @@
         <p:grpSpPr>
           <a:xfrm>
             <a:off x="351720" y="495000"/>
-            <a:ext cx="251280" cy="855000"/>
+            <a:ext cx="250920" cy="854640"/>
             <a:chOff x="351720" y="495000"/>
-            <a:chExt cx="251280" cy="855000"/>
+            <a:chExt cx="250920" cy="854640"/>
           </a:xfrm>
         </p:grpSpPr>
         <p:sp>
@@ -6229,7 +6229,7 @@
           <p:spPr>
             <a:xfrm>
               <a:off x="351720" y="647280"/>
-              <a:ext cx="174960" cy="702720"/>
+              <a:ext cx="174600" cy="702360"/>
             </a:xfrm>
             <a:prstGeom prst="rect">
               <a:avLst/>
@@ -6257,7 +6257,7 @@
           <p:spPr>
             <a:xfrm>
               <a:off x="428040" y="495000"/>
-              <a:ext cx="174960" cy="702720"/>
+              <a:ext cx="174600" cy="702360"/>
             </a:xfrm>
             <a:prstGeom prst="rect">
               <a:avLst/>
@@ -6286,7 +6286,7 @@
         <p:spPr>
           <a:xfrm>
             <a:off x="643320" y="556200"/>
-            <a:ext cx="11428560" cy="699480"/>
+            <a:ext cx="11428200" cy="699120"/>
           </a:xfrm>
           <a:prstGeom prst="rect">
             <a:avLst/>
@@ -6342,7 +6342,7 @@
         <p:spPr>
           <a:xfrm>
             <a:off x="4860000" y="177480"/>
-            <a:ext cx="7199640" cy="5038920"/>
+            <a:ext cx="7199280" cy="5038560"/>
           </a:xfrm>
           <a:prstGeom prst="rect">
             <a:avLst/>
@@ -6365,7 +6365,7 @@
         <p:spPr>
           <a:xfrm>
             <a:off x="195480" y="4934880"/>
-            <a:ext cx="8984160" cy="1544760"/>
+            <a:ext cx="8983800" cy="1544400"/>
           </a:xfrm>
           <a:prstGeom prst="rect">
             <a:avLst/>
@@ -6414,9 +6414,9 @@
         <p:grpSpPr>
           <a:xfrm>
             <a:off x="351720" y="495000"/>
-            <a:ext cx="251280" cy="855000"/>
+            <a:ext cx="250920" cy="854640"/>
             <a:chOff x="351720" y="495000"/>
-            <a:chExt cx="251280" cy="855000"/>
+            <a:chExt cx="250920" cy="854640"/>
           </a:xfrm>
         </p:grpSpPr>
         <p:sp>
@@ -6428,7 +6428,7 @@
           <p:spPr>
             <a:xfrm>
               <a:off x="351720" y="647280"/>
-              <a:ext cx="174960" cy="702720"/>
+              <a:ext cx="174600" cy="702360"/>
             </a:xfrm>
             <a:prstGeom prst="rect">
               <a:avLst/>
@@ -6456,7 +6456,7 @@
           <p:spPr>
             <a:xfrm>
               <a:off x="428040" y="495000"/>
-              <a:ext cx="174960" cy="702720"/>
+              <a:ext cx="174600" cy="702360"/>
             </a:xfrm>
             <a:prstGeom prst="rect">
               <a:avLst/>
@@ -6485,7 +6485,7 @@
         <p:spPr>
           <a:xfrm>
             <a:off x="643320" y="556200"/>
-            <a:ext cx="11428560" cy="699480"/>
+            <a:ext cx="11428200" cy="699120"/>
           </a:xfrm>
           <a:prstGeom prst="rect">
             <a:avLst/>
@@ -6567,9 +6567,9 @@
         <p:grpSpPr>
           <a:xfrm>
             <a:off x="351720" y="495000"/>
-            <a:ext cx="251280" cy="855000"/>
+            <a:ext cx="250920" cy="854640"/>
             <a:chOff x="351720" y="495000"/>
-            <a:chExt cx="251280" cy="855000"/>
+            <a:chExt cx="250920" cy="854640"/>
           </a:xfrm>
         </p:grpSpPr>
         <p:sp>
@@ -6581,7 +6581,7 @@
           <p:spPr>
             <a:xfrm>
               <a:off x="351720" y="647280"/>
-              <a:ext cx="174960" cy="702720"/>
+              <a:ext cx="174600" cy="702360"/>
             </a:xfrm>
             <a:prstGeom prst="rect">
               <a:avLst/>
@@ -6609,7 +6609,7 @@
           <p:spPr>
             <a:xfrm>
               <a:off x="428040" y="495000"/>
-              <a:ext cx="174960" cy="702720"/>
+              <a:ext cx="174600" cy="702360"/>
             </a:xfrm>
             <a:prstGeom prst="rect">
               <a:avLst/>
@@ -6638,7 +6638,7 @@
         <p:spPr>
           <a:xfrm>
             <a:off x="643320" y="556200"/>
-            <a:ext cx="11428560" cy="699480"/>
+            <a:ext cx="11428200" cy="699120"/>
           </a:xfrm>
           <a:prstGeom prst="rect">
             <a:avLst/>
@@ -6690,7 +6690,7 @@
         <p:spPr>
           <a:xfrm>
             <a:off x="48240" y="2586600"/>
-            <a:ext cx="12191400" cy="3015720"/>
+            <a:ext cx="12191040" cy="3015720"/>
           </a:xfrm>
           <a:prstGeom prst="rect">
             <a:avLst/>
@@ -6895,9 +6895,9 @@
         <p:grpSpPr>
           <a:xfrm>
             <a:off x="351720" y="495000"/>
-            <a:ext cx="251280" cy="855000"/>
+            <a:ext cx="250920" cy="854640"/>
             <a:chOff x="351720" y="495000"/>
-            <a:chExt cx="251280" cy="855000"/>
+            <a:chExt cx="250920" cy="854640"/>
           </a:xfrm>
         </p:grpSpPr>
         <p:sp>
@@ -6909,7 +6909,7 @@
           <p:spPr>
             <a:xfrm>
               <a:off x="351720" y="647280"/>
-              <a:ext cx="174960" cy="702720"/>
+              <a:ext cx="174600" cy="702360"/>
             </a:xfrm>
             <a:prstGeom prst="rect">
               <a:avLst/>
@@ -6937,7 +6937,7 @@
           <p:spPr>
             <a:xfrm>
               <a:off x="428040" y="495000"/>
-              <a:ext cx="174960" cy="702720"/>
+              <a:ext cx="174600" cy="702360"/>
             </a:xfrm>
             <a:prstGeom prst="rect">
               <a:avLst/>
@@ -6966,7 +6966,7 @@
         <p:spPr>
           <a:xfrm>
             <a:off x="643320" y="556200"/>
-            <a:ext cx="11428560" cy="699480"/>
+            <a:ext cx="11428200" cy="699120"/>
           </a:xfrm>
           <a:prstGeom prst="rect">
             <a:avLst/>
@@ -7018,7 +7018,7 @@
         <p:spPr>
           <a:xfrm>
             <a:off x="48240" y="1336680"/>
-            <a:ext cx="12191400" cy="4968360"/>
+            <a:ext cx="12191040" cy="4965840"/>
           </a:xfrm>
           <a:prstGeom prst="rect">
             <a:avLst/>
@@ -7069,7 +7069,17 @@
                 <a:latin typeface="Calibri"/>
                 <a:ea typeface="Calibri"/>
               </a:rPr>
-              <a:t>AV1 -</a:t>
+              <a:t>A</a:t>
+            </a:r>
+            <a:r>
+              <a:rPr b="0" lang="pt-BR" sz="2000" spc="-1" strike="noStrike">
+                <a:solidFill>
+                  <a:srgbClr val="000000"/>
+                </a:solidFill>
+                <a:latin typeface="Calibri"/>
+                <a:ea typeface="Calibri"/>
+              </a:rPr>
+              <a:t>V1 -</a:t>
             </a:r>
             <a:endParaRPr b="0" lang="pt-BR" sz="2000" spc="-1" strike="noStrike">
               <a:latin typeface="Arial"/>
@@ -7157,7 +7167,7 @@
             <a:r>
               <a:rPr b="0" i="1" lang="pt-BR" sz="2000" spc="-1" strike="noStrike">
                 <a:solidFill>
-                  <a:srgbClr val="ff8000"/>
+                  <a:srgbClr val="000000"/>
                 </a:solidFill>
                 <a:latin typeface="Calibri"/>
                 <a:ea typeface="Calibri"/>
@@ -7225,7 +7235,7 @@
                 <a:latin typeface="Calibri"/>
                 <a:ea typeface="DejaVu Sans"/>
               </a:rPr>
-              <a:t>Avaliação 1 (0 a 10 * 0,7) → código java prático</a:t>
+              <a:t>Avaliação 1 (0 a 10 * 0,7) - prática  </a:t>
             </a:r>
             <a:endParaRPr b="0" lang="pt-BR" sz="2000" spc="-1" strike="noStrike">
               <a:latin typeface="Arial"/>
@@ -7282,22 +7292,12 @@
             <a:r>
               <a:rPr b="0" i="1" lang="pt-BR" sz="2000" spc="-1" strike="noStrike">
                 <a:solidFill>
-                  <a:srgbClr val="ff8000"/>
+                  <a:srgbClr val="000000"/>
                 </a:solidFill>
                 <a:latin typeface="Calibri"/>
                 <a:ea typeface="Calibri"/>
               </a:rPr>
-              <a:t>– </a:t>
-            </a:r>
-            <a:r>
-              <a:rPr b="0" i="1" lang="pt-BR" sz="2000" spc="-1" strike="noStrike">
-                <a:solidFill>
-                  <a:srgbClr val="ff8000"/>
-                </a:solidFill>
-                <a:latin typeface="Calibri"/>
-                <a:ea typeface="Calibri"/>
-              </a:rPr>
-              <a:t>Pesquisa e trabalho sobre Diagramas e práticas ágeis</a:t>
+              <a:t>– Pesquisa e trabalho sobre Diagramas e práticas ágeis</a:t>
             </a:r>
             <a:endParaRPr b="0" lang="pt-BR" sz="2000" spc="-1" strike="noStrike">
               <a:latin typeface="Arial"/>
